--- a/Lectures/Lecture#1-Introduction.pptx
+++ b/Lectures/Lecture#1-Introduction.pptx
@@ -20,7 +20,9 @@
     <p:sldId id="267" r:id="rId14"/>
     <p:sldId id="269" r:id="rId15"/>
     <p:sldId id="270" r:id="rId16"/>
-    <p:sldId id="271" r:id="rId17"/>
+    <p:sldId id="272" r:id="rId17"/>
+    <p:sldId id="273" r:id="rId18"/>
+    <p:sldId id="271" r:id="rId19"/>
   </p:sldIdLst>
   <p:sldSz cx="12192000" cy="6858000"/>
   <p:notesSz cx="6858000" cy="9144000"/>
@@ -351,7 +353,7 @@
           <a:p>
             <a:fld id="{69F46399-801B-4685-98F1-1A09A0472948}" type="datetimeFigureOut">
               <a:rPr lang="uk-UA" smtClean="0"/>
-              <a:t>22.08.2024</a:t>
+              <a:t>27.08.2024</a:t>
             </a:fld>
             <a:endParaRPr lang="uk-UA"/>
           </a:p>
@@ -685,7 +687,7 @@
           <a:p>
             <a:fld id="{69F46399-801B-4685-98F1-1A09A0472948}" type="datetimeFigureOut">
               <a:rPr lang="uk-UA" smtClean="0"/>
-              <a:t>22.08.2024</a:t>
+              <a:t>27.08.2024</a:t>
             </a:fld>
             <a:endParaRPr lang="uk-UA"/>
           </a:p>
@@ -963,7 +965,7 @@
           <a:p>
             <a:fld id="{69F46399-801B-4685-98F1-1A09A0472948}" type="datetimeFigureOut">
               <a:rPr lang="uk-UA" smtClean="0"/>
-              <a:t>22.08.2024</a:t>
+              <a:t>27.08.2024</a:t>
             </a:fld>
             <a:endParaRPr lang="uk-UA"/>
           </a:p>
@@ -1531,7 +1533,7 @@
           <a:p>
             <a:fld id="{69F46399-801B-4685-98F1-1A09A0472948}" type="datetimeFigureOut">
               <a:rPr lang="uk-UA" smtClean="0"/>
-              <a:t>22.08.2024</a:t>
+              <a:t>27.08.2024</a:t>
             </a:fld>
             <a:endParaRPr lang="uk-UA"/>
           </a:p>
@@ -1809,7 +1811,7 @@
           <a:p>
             <a:fld id="{69F46399-801B-4685-98F1-1A09A0472948}" type="datetimeFigureOut">
               <a:rPr lang="uk-UA" smtClean="0"/>
-              <a:t>22.08.2024</a:t>
+              <a:t>27.08.2024</a:t>
             </a:fld>
             <a:endParaRPr lang="uk-UA"/>
           </a:p>
@@ -2371,7 +2373,7 @@
           <a:p>
             <a:fld id="{69F46399-801B-4685-98F1-1A09A0472948}" type="datetimeFigureOut">
               <a:rPr lang="uk-UA" smtClean="0"/>
-              <a:t>22.08.2024</a:t>
+              <a:t>27.08.2024</a:t>
             </a:fld>
             <a:endParaRPr lang="uk-UA"/>
           </a:p>
@@ -2698,7 +2700,7 @@
           <a:p>
             <a:fld id="{69F46399-801B-4685-98F1-1A09A0472948}" type="datetimeFigureOut">
               <a:rPr lang="uk-UA" smtClean="0"/>
-              <a:t>22.08.2024</a:t>
+              <a:t>27.08.2024</a:t>
             </a:fld>
             <a:endParaRPr lang="uk-UA"/>
           </a:p>
@@ -2875,7 +2877,7 @@
           <a:p>
             <a:fld id="{69F46399-801B-4685-98F1-1A09A0472948}" type="datetimeFigureOut">
               <a:rPr lang="uk-UA" smtClean="0"/>
-              <a:t>22.08.2024</a:t>
+              <a:t>27.08.2024</a:t>
             </a:fld>
             <a:endParaRPr lang="uk-UA"/>
           </a:p>
@@ -3113,7 +3115,7 @@
           <a:p>
             <a:fld id="{69F46399-801B-4685-98F1-1A09A0472948}" type="datetimeFigureOut">
               <a:rPr lang="uk-UA" smtClean="0"/>
-              <a:t>22.08.2024</a:t>
+              <a:t>27.08.2024</a:t>
             </a:fld>
             <a:endParaRPr lang="uk-UA"/>
           </a:p>
@@ -3313,7 +3315,7 @@
           <a:p>
             <a:fld id="{69F46399-801B-4685-98F1-1A09A0472948}" type="datetimeFigureOut">
               <a:rPr lang="uk-UA" smtClean="0"/>
-              <a:t>22.08.2024</a:t>
+              <a:t>27.08.2024</a:t>
             </a:fld>
             <a:endParaRPr lang="uk-UA"/>
           </a:p>
@@ -3589,7 +3591,7 @@
           <a:p>
             <a:fld id="{69F46399-801B-4685-98F1-1A09A0472948}" type="datetimeFigureOut">
               <a:rPr lang="uk-UA" smtClean="0"/>
-              <a:t>22.08.2024</a:t>
+              <a:t>27.08.2024</a:t>
             </a:fld>
             <a:endParaRPr lang="uk-UA"/>
           </a:p>
@@ -3855,7 +3857,7 @@
           <a:p>
             <a:fld id="{69F46399-801B-4685-98F1-1A09A0472948}" type="datetimeFigureOut">
               <a:rPr lang="uk-UA" smtClean="0"/>
-              <a:t>22.08.2024</a:t>
+              <a:t>27.08.2024</a:t>
             </a:fld>
             <a:endParaRPr lang="uk-UA"/>
           </a:p>
@@ -4229,7 +4231,7 @@
           <a:p>
             <a:fld id="{69F46399-801B-4685-98F1-1A09A0472948}" type="datetimeFigureOut">
               <a:rPr lang="uk-UA" smtClean="0"/>
-              <a:t>22.08.2024</a:t>
+              <a:t>27.08.2024</a:t>
             </a:fld>
             <a:endParaRPr lang="uk-UA"/>
           </a:p>
@@ -4377,7 +4379,7 @@
           <a:p>
             <a:fld id="{69F46399-801B-4685-98F1-1A09A0472948}" type="datetimeFigureOut">
               <a:rPr lang="uk-UA" smtClean="0"/>
-              <a:t>22.08.2024</a:t>
+              <a:t>27.08.2024</a:t>
             </a:fld>
             <a:endParaRPr lang="uk-UA"/>
           </a:p>
@@ -4502,7 +4504,7 @@
           <a:p>
             <a:fld id="{69F46399-801B-4685-98F1-1A09A0472948}" type="datetimeFigureOut">
               <a:rPr lang="uk-UA" smtClean="0"/>
-              <a:t>22.08.2024</a:t>
+              <a:t>27.08.2024</a:t>
             </a:fld>
             <a:endParaRPr lang="uk-UA"/>
           </a:p>
@@ -4787,7 +4789,7 @@
           <a:p>
             <a:fld id="{69F46399-801B-4685-98F1-1A09A0472948}" type="datetimeFigureOut">
               <a:rPr lang="uk-UA" smtClean="0"/>
-              <a:t>22.08.2024</a:t>
+              <a:t>27.08.2024</a:t>
             </a:fld>
             <a:endParaRPr lang="uk-UA"/>
           </a:p>
@@ -5111,7 +5113,7 @@
           <a:p>
             <a:fld id="{69F46399-801B-4685-98F1-1A09A0472948}" type="datetimeFigureOut">
               <a:rPr lang="uk-UA" smtClean="0"/>
-              <a:t>22.08.2024</a:t>
+              <a:t>27.08.2024</a:t>
             </a:fld>
             <a:endParaRPr lang="uk-UA"/>
           </a:p>
@@ -5328,7 +5330,7 @@
           <a:p>
             <a:fld id="{69F46399-801B-4685-98F1-1A09A0472948}" type="datetimeFigureOut">
               <a:rPr lang="uk-UA" smtClean="0"/>
-              <a:t>22.08.2024</a:t>
+              <a:t>27.08.2024</a:t>
             </a:fld>
             <a:endParaRPr lang="uk-UA"/>
           </a:p>
@@ -7869,6 +7871,367 @@
 </file>
 
 <file path=ppt/slides/slide16.xml><?xml version="1.0" encoding="utf-8"?>
+<p:sld xmlns:a="http://schemas.openxmlformats.org/drawingml/2006/main" xmlns:r="http://schemas.openxmlformats.org/officeDocument/2006/relationships" xmlns:p="http://schemas.openxmlformats.org/presentationml/2006/main">
+  <p:cSld>
+    <p:spTree>
+      <p:nvGrpSpPr>
+        <p:cNvPr id="1" name=""/>
+        <p:cNvGrpSpPr/>
+        <p:nvPr/>
+      </p:nvGrpSpPr>
+      <p:grpSpPr>
+        <a:xfrm>
+          <a:off x="0" y="0"/>
+          <a:ext cx="0" cy="0"/>
+          <a:chOff x="0" y="0"/>
+          <a:chExt cx="0" cy="0"/>
+        </a:xfrm>
+      </p:grpSpPr>
+      <p:sp>
+        <p:nvSpPr>
+          <p:cNvPr id="2" name="Заголовок 1">
+            <a:extLst>
+              <a:ext uri="{FF2B5EF4-FFF2-40B4-BE49-F238E27FC236}">
+                <a16:creationId xmlns:a16="http://schemas.microsoft.com/office/drawing/2014/main" id="{57039572-D910-4204-8E67-06D4E79668B1}"/>
+              </a:ext>
+            </a:extLst>
+          </p:cNvPr>
+          <p:cNvSpPr>
+            <a:spLocks noGrp="1"/>
+          </p:cNvSpPr>
+          <p:nvPr>
+            <p:ph type="title"/>
+          </p:nvPr>
+        </p:nvSpPr>
+        <p:spPr/>
+        <p:txBody>
+          <a:bodyPr/>
+          <a:lstStyle/>
+          <a:p>
+            <a:r>
+              <a:rPr lang="uk-UA" b="1" cap="none" dirty="0"/>
+              <a:t>Підтримка браузерами. Мобільні пристрої</a:t>
+            </a:r>
+            <a:endParaRPr lang="en-US" b="1" cap="none" dirty="0"/>
+          </a:p>
+        </p:txBody>
+      </p:sp>
+      <p:pic>
+        <p:nvPicPr>
+          <p:cNvPr id="7" name="Місце для вмісту 6">
+            <a:extLst>
+              <a:ext uri="{FF2B5EF4-FFF2-40B4-BE49-F238E27FC236}">
+                <a16:creationId xmlns:a16="http://schemas.microsoft.com/office/drawing/2014/main" id="{BD9EB6A4-BA48-40F1-8C0A-EABDA0682A7A}"/>
+              </a:ext>
+            </a:extLst>
+          </p:cNvPr>
+          <p:cNvPicPr>
+            <a:picLocks noGrp="1" noChangeAspect="1"/>
+          </p:cNvPicPr>
+          <p:nvPr>
+            <p:ph idx="1"/>
+          </p:nvPr>
+        </p:nvPicPr>
+        <p:blipFill>
+          <a:blip r:embed="rId2"/>
+          <a:stretch>
+            <a:fillRect/>
+          </a:stretch>
+        </p:blipFill>
+        <p:spPr>
+          <a:xfrm>
+            <a:off x="865187" y="2437606"/>
+            <a:ext cx="9772650" cy="3057525"/>
+          </a:xfrm>
+          <a:prstGeom prst="rect">
+            <a:avLst/>
+          </a:prstGeom>
+        </p:spPr>
+      </p:pic>
+      <p:pic>
+        <p:nvPicPr>
+          <p:cNvPr id="8" name="Picture 4" descr="Bootstrap 5">
+            <a:extLst>
+              <a:ext uri="{FF2B5EF4-FFF2-40B4-BE49-F238E27FC236}">
+                <a16:creationId xmlns:a16="http://schemas.microsoft.com/office/drawing/2014/main" id="{B10167DB-F651-415B-8C28-0F3C5D77D373}"/>
+              </a:ext>
+            </a:extLst>
+          </p:cNvPr>
+          <p:cNvPicPr>
+            <a:picLocks noChangeAspect="1" noChangeArrowheads="1"/>
+          </p:cNvPicPr>
+          <p:nvPr/>
+        </p:nvPicPr>
+        <p:blipFill>
+          <a:blip r:embed="rId3">
+            <a:extLst>
+              <a:ext uri="{28A0092B-C50C-407E-A947-70E740481C1C}">
+                <a14:useLocalDpi xmlns:a14="http://schemas.microsoft.com/office/drawing/2010/main" val="0"/>
+              </a:ext>
+            </a:extLst>
+          </a:blip>
+          <a:srcRect/>
+          <a:stretch>
+            <a:fillRect/>
+          </a:stretch>
+        </p:blipFill>
+        <p:spPr bwMode="auto">
+          <a:xfrm>
+            <a:off x="10577513" y="199537"/>
+            <a:ext cx="1360487" cy="820125"/>
+          </a:xfrm>
+          <a:prstGeom prst="rect">
+            <a:avLst/>
+          </a:prstGeom>
+          <a:noFill/>
+          <a:extLst>
+            <a:ext uri="{909E8E84-426E-40DD-AFC4-6F175D3DCCD1}">
+              <a14:hiddenFill xmlns:a14="http://schemas.microsoft.com/office/drawing/2010/main">
+                <a:solidFill>
+                  <a:srgbClr val="FFFFFF"/>
+                </a:solidFill>
+              </a14:hiddenFill>
+            </a:ext>
+          </a:extLst>
+        </p:spPr>
+      </p:pic>
+    </p:spTree>
+    <p:extLst>
+      <p:ext uri="{BB962C8B-B14F-4D97-AF65-F5344CB8AC3E}">
+        <p14:creationId xmlns:p14="http://schemas.microsoft.com/office/powerpoint/2010/main" val="1518657619"/>
+      </p:ext>
+    </p:extLst>
+  </p:cSld>
+  <p:clrMapOvr>
+    <a:masterClrMapping/>
+  </p:clrMapOvr>
+</p:sld>
+</file>
+
+<file path=ppt/slides/slide17.xml><?xml version="1.0" encoding="utf-8"?>
+<p:sld xmlns:a="http://schemas.openxmlformats.org/drawingml/2006/main" xmlns:r="http://schemas.openxmlformats.org/officeDocument/2006/relationships" xmlns:p="http://schemas.openxmlformats.org/presentationml/2006/main">
+  <p:cSld>
+    <p:spTree>
+      <p:nvGrpSpPr>
+        <p:cNvPr id="1" name=""/>
+        <p:cNvGrpSpPr/>
+        <p:nvPr/>
+      </p:nvGrpSpPr>
+      <p:grpSpPr>
+        <a:xfrm>
+          <a:off x="0" y="0"/>
+          <a:ext cx="0" cy="0"/>
+          <a:chOff x="0" y="0"/>
+          <a:chExt cx="0" cy="0"/>
+        </a:xfrm>
+      </p:grpSpPr>
+      <p:sp>
+        <p:nvSpPr>
+          <p:cNvPr id="2" name="Заголовок 1">
+            <a:extLst>
+              <a:ext uri="{FF2B5EF4-FFF2-40B4-BE49-F238E27FC236}">
+                <a16:creationId xmlns:a16="http://schemas.microsoft.com/office/drawing/2014/main" id="{57039572-D910-4204-8E67-06D4E79668B1}"/>
+              </a:ext>
+            </a:extLst>
+          </p:cNvPr>
+          <p:cNvSpPr>
+            <a:spLocks noGrp="1"/>
+          </p:cNvSpPr>
+          <p:nvPr>
+            <p:ph type="title"/>
+          </p:nvPr>
+        </p:nvSpPr>
+        <p:spPr/>
+        <p:txBody>
+          <a:bodyPr/>
+          <a:lstStyle/>
+          <a:p>
+            <a:r>
+              <a:rPr lang="uk-UA" b="1" cap="none" dirty="0"/>
+              <a:t>Підтримка браузерами. Настільні пристрої</a:t>
+            </a:r>
+            <a:endParaRPr lang="en-US" b="1" cap="none" dirty="0"/>
+          </a:p>
+        </p:txBody>
+      </p:sp>
+      <p:pic>
+        <p:nvPicPr>
+          <p:cNvPr id="6" name="Місце для вмісту 5">
+            <a:extLst>
+              <a:ext uri="{FF2B5EF4-FFF2-40B4-BE49-F238E27FC236}">
+                <a16:creationId xmlns:a16="http://schemas.microsoft.com/office/drawing/2014/main" id="{BFFB1FFE-8E79-4205-8B0D-171E80043687}"/>
+              </a:ext>
+            </a:extLst>
+          </p:cNvPr>
+          <p:cNvPicPr>
+            <a:picLocks noGrp="1" noChangeAspect="1"/>
+          </p:cNvPicPr>
+          <p:nvPr>
+            <p:ph idx="1"/>
+          </p:nvPr>
+        </p:nvPicPr>
+        <p:blipFill>
+          <a:blip r:embed="rId2"/>
+          <a:stretch>
+            <a:fillRect/>
+          </a:stretch>
+        </p:blipFill>
+        <p:spPr>
+          <a:xfrm>
+            <a:off x="774700" y="2685256"/>
+            <a:ext cx="9953625" cy="2562225"/>
+          </a:xfrm>
+          <a:prstGeom prst="rect">
+            <a:avLst/>
+          </a:prstGeom>
+        </p:spPr>
+      </p:pic>
+      <p:sp>
+        <p:nvSpPr>
+          <p:cNvPr id="7" name="Прямокутник 6">
+            <a:extLst>
+              <a:ext uri="{FF2B5EF4-FFF2-40B4-BE49-F238E27FC236}">
+                <a16:creationId xmlns:a16="http://schemas.microsoft.com/office/drawing/2014/main" id="{90DA4879-1344-4794-A671-D3CAE2E7D0F2}"/>
+              </a:ext>
+            </a:extLst>
+          </p:cNvPr>
+          <p:cNvSpPr/>
+          <p:nvPr/>
+        </p:nvSpPr>
+        <p:spPr>
+          <a:xfrm>
+            <a:off x="988291" y="5673544"/>
+            <a:ext cx="10215418" cy="646331"/>
+          </a:xfrm>
+          <a:prstGeom prst="rect">
+            <a:avLst/>
+          </a:prstGeom>
+        </p:spPr>
+        <p:txBody>
+          <a:bodyPr wrap="square">
+            <a:spAutoFit/>
+          </a:bodyPr>
+          <a:lstStyle/>
+          <a:p>
+            <a:r>
+              <a:rPr lang="en-US" dirty="0">
+                <a:solidFill>
+                  <a:srgbClr val="212529"/>
+                </a:solidFill>
+                <a:latin typeface="system-ui"/>
+              </a:rPr>
+              <a:t>Internet Explorer </a:t>
+            </a:r>
+            <a:r>
+              <a:rPr lang="uk-UA" dirty="0">
+                <a:solidFill>
+                  <a:srgbClr val="212529"/>
+                </a:solidFill>
+                <a:latin typeface="system-ui"/>
+              </a:rPr>
+              <a:t>не підтримується. </a:t>
+            </a:r>
+            <a:r>
+              <a:rPr lang="uk-UA" b="1" dirty="0">
+                <a:solidFill>
+                  <a:srgbClr val="212529"/>
+                </a:solidFill>
+                <a:latin typeface="system-ui"/>
+              </a:rPr>
+              <a:t>Якщо вам потрібна підтримка </a:t>
+            </a:r>
+            <a:r>
+              <a:rPr lang="en-US" b="1" dirty="0">
+                <a:solidFill>
+                  <a:srgbClr val="212529"/>
+                </a:solidFill>
+                <a:latin typeface="system-ui"/>
+              </a:rPr>
+              <a:t>Internet Explorer, </a:t>
+            </a:r>
+            <a:r>
+              <a:rPr lang="uk-UA" b="1" dirty="0">
+                <a:solidFill>
+                  <a:srgbClr val="212529"/>
+                </a:solidFill>
+                <a:latin typeface="system-ui"/>
+              </a:rPr>
+              <a:t>використовуйте </a:t>
+            </a:r>
+            <a:r>
+              <a:rPr lang="en-US" b="1" dirty="0">
+                <a:solidFill>
+                  <a:srgbClr val="212529"/>
+                </a:solidFill>
+                <a:latin typeface="system-ui"/>
+              </a:rPr>
+              <a:t>Bootstrap v4.</a:t>
+            </a:r>
+            <a:endParaRPr lang="en-US" dirty="0"/>
+          </a:p>
+        </p:txBody>
+      </p:sp>
+      <p:pic>
+        <p:nvPicPr>
+          <p:cNvPr id="8" name="Picture 4" descr="Bootstrap 5">
+            <a:extLst>
+              <a:ext uri="{FF2B5EF4-FFF2-40B4-BE49-F238E27FC236}">
+                <a16:creationId xmlns:a16="http://schemas.microsoft.com/office/drawing/2014/main" id="{F2F4716A-E4F9-4337-8EF4-575243A7200E}"/>
+              </a:ext>
+            </a:extLst>
+          </p:cNvPr>
+          <p:cNvPicPr>
+            <a:picLocks noChangeAspect="1" noChangeArrowheads="1"/>
+          </p:cNvPicPr>
+          <p:nvPr/>
+        </p:nvPicPr>
+        <p:blipFill>
+          <a:blip r:embed="rId3">
+            <a:extLst>
+              <a:ext uri="{28A0092B-C50C-407E-A947-70E740481C1C}">
+                <a14:useLocalDpi xmlns:a14="http://schemas.microsoft.com/office/drawing/2010/main" val="0"/>
+              </a:ext>
+            </a:extLst>
+          </a:blip>
+          <a:srcRect/>
+          <a:stretch>
+            <a:fillRect/>
+          </a:stretch>
+        </p:blipFill>
+        <p:spPr bwMode="auto">
+          <a:xfrm>
+            <a:off x="10577513" y="199537"/>
+            <a:ext cx="1360487" cy="820125"/>
+          </a:xfrm>
+          <a:prstGeom prst="rect">
+            <a:avLst/>
+          </a:prstGeom>
+          <a:noFill/>
+          <a:extLst>
+            <a:ext uri="{909E8E84-426E-40DD-AFC4-6F175D3DCCD1}">
+              <a14:hiddenFill xmlns:a14="http://schemas.microsoft.com/office/drawing/2010/main">
+                <a:solidFill>
+                  <a:srgbClr val="FFFFFF"/>
+                </a:solidFill>
+              </a14:hiddenFill>
+            </a:ext>
+          </a:extLst>
+        </p:spPr>
+      </p:pic>
+    </p:spTree>
+    <p:extLst>
+      <p:ext uri="{BB962C8B-B14F-4D97-AF65-F5344CB8AC3E}">
+        <p14:creationId xmlns:p14="http://schemas.microsoft.com/office/powerpoint/2010/main" val="392409739"/>
+      </p:ext>
+    </p:extLst>
+  </p:cSld>
+  <p:clrMapOvr>
+    <a:masterClrMapping/>
+  </p:clrMapOvr>
+</p:sld>
+</file>
+
+<file path=ppt/slides/slide18.xml><?xml version="1.0" encoding="utf-8"?>
 <p:sld xmlns:a="http://schemas.openxmlformats.org/drawingml/2006/main" xmlns:r="http://schemas.openxmlformats.org/officeDocument/2006/relationships" xmlns:p="http://schemas.openxmlformats.org/presentationml/2006/main">
   <p:cSld>
     <p:spTree>
@@ -8440,6 +8803,53 @@
           </a:graphicData>
         </a:graphic>
       </p:graphicFrame>
+      <p:pic>
+        <p:nvPicPr>
+          <p:cNvPr id="4" name="Picture 4" descr="Bootstrap 5">
+            <a:extLst>
+              <a:ext uri="{FF2B5EF4-FFF2-40B4-BE49-F238E27FC236}">
+                <a16:creationId xmlns:a16="http://schemas.microsoft.com/office/drawing/2014/main" id="{4BCF6DDB-326E-44F5-931A-0C7B0D7E9859}"/>
+              </a:ext>
+            </a:extLst>
+          </p:cNvPr>
+          <p:cNvPicPr>
+            <a:picLocks noChangeAspect="1" noChangeArrowheads="1"/>
+          </p:cNvPicPr>
+          <p:nvPr/>
+        </p:nvPicPr>
+        <p:blipFill>
+          <a:blip r:embed="rId4">
+            <a:extLst>
+              <a:ext uri="{28A0092B-C50C-407E-A947-70E740481C1C}">
+                <a14:useLocalDpi xmlns:a14="http://schemas.microsoft.com/office/drawing/2010/main" val="0"/>
+              </a:ext>
+            </a:extLst>
+          </a:blip>
+          <a:srcRect/>
+          <a:stretch>
+            <a:fillRect/>
+          </a:stretch>
+        </p:blipFill>
+        <p:spPr bwMode="auto">
+          <a:xfrm>
+            <a:off x="10577513" y="199537"/>
+            <a:ext cx="1360487" cy="820125"/>
+          </a:xfrm>
+          <a:prstGeom prst="rect">
+            <a:avLst/>
+          </a:prstGeom>
+          <a:noFill/>
+          <a:extLst>
+            <a:ext uri="{909E8E84-426E-40DD-AFC4-6F175D3DCCD1}">
+              <a14:hiddenFill xmlns:a14="http://schemas.microsoft.com/office/drawing/2010/main">
+                <a:solidFill>
+                  <a:srgbClr val="FFFFFF"/>
+                </a:solidFill>
+              </a14:hiddenFill>
+            </a:ext>
+          </a:extLst>
+        </p:spPr>
+      </p:pic>
     </p:spTree>
     <p:extLst>
       <p:ext uri="{BB962C8B-B14F-4D97-AF65-F5344CB8AC3E}">
@@ -8517,7 +8927,7 @@
         <p:spPr/>
         <p:txBody>
           <a:bodyPr>
-            <a:normAutofit/>
+            <a:normAutofit lnSpcReduction="10000"/>
           </a:bodyPr>
           <a:lstStyle/>
           <a:p>
@@ -8650,6 +9060,26 @@
               </a:rPr>
               <a:t>Bootstrap</a:t>
             </a:r>
+          </a:p>
+          <a:p>
+            <a:pPr marL="457200" indent="-457200">
+              <a:buClrTx/>
+              <a:buFont typeface="+mj-lt"/>
+              <a:buAutoNum type="arabicPeriod"/>
+            </a:pPr>
+            <a:r>
+              <a:rPr lang="uk-UA" sz="2800" dirty="0">
+                <a:solidFill>
+                  <a:schemeClr val="bg1"/>
+                </a:solidFill>
+              </a:rPr>
+              <a:t>Підтримка браузерами</a:t>
+            </a:r>
+            <a:endParaRPr lang="en-US" sz="2800" dirty="0">
+              <a:solidFill>
+                <a:schemeClr val="bg1"/>
+              </a:solidFill>
+            </a:endParaRPr>
           </a:p>
           <a:p>
             <a:pPr marL="457200" indent="-457200">
